--- a/poster/vr-poster.pptx
+++ b/poster/vr-poster.pptx
@@ -3938,9 +3938,9 @@
           <p:grpSpPr>
             <a:xfrm>
               <a:off x="2692400" y="30804815"/>
-              <a:ext cx="25009791" cy="6341807"/>
+              <a:ext cx="25002809" cy="6341807"/>
               <a:chOff x="2692400" y="30804815"/>
-              <a:chExt cx="25009791" cy="6341807"/>
+              <a:chExt cx="25002809" cy="6341807"/>
             </a:xfrm>
           </p:grpSpPr>
           <p:grpSp>
@@ -3951,10 +3951,10 @@
             </p:nvGrpSpPr>
             <p:grpSpPr>
               <a:xfrm>
-                <a:off x="12273194" y="30804815"/>
-                <a:ext cx="6570874" cy="6191258"/>
-                <a:chOff x="12273194" y="30804815"/>
-                <a:chExt cx="6570874" cy="6191258"/>
+                <a:off x="13009742" y="30804815"/>
+                <a:ext cx="6744820" cy="6242945"/>
+                <a:chOff x="13009742" y="30804815"/>
+                <a:chExt cx="6744820" cy="6242945"/>
               </a:xfrm>
             </p:grpSpPr>
             <p:pic>
@@ -3995,7 +3995,7 @@
               </p:nvSpPr>
               <p:spPr>
                 <a:xfrm>
-                  <a:off x="12273194" y="34195306"/>
+                  <a:off x="13183688" y="34246993"/>
                   <a:ext cx="6570874" cy="2800767"/>
                 </a:xfrm>
                 <a:prstGeom prst="rect">
@@ -4008,7 +4008,6 @@
                 </a:bodyPr>
                 <a:lstStyle/>
                 <a:p>
-                  <a:pPr algn="ctr"/>
                   <a:r>
                     <a:rPr lang="en-US" sz="4400" dirty="0" smtClean="0"/>
                     <a:t>2)  Explore where augmented reality could be better suited than immersive virtual reality</a:t>
@@ -4026,10 +4025,10 @@
             </p:nvGrpSpPr>
             <p:grpSpPr>
               <a:xfrm>
-                <a:off x="2692400" y="30941115"/>
-                <a:ext cx="25009791" cy="6205507"/>
-                <a:chOff x="2692400" y="30941115"/>
-                <a:chExt cx="25009791" cy="6205507"/>
+                <a:off x="2692400" y="30804815"/>
+                <a:ext cx="25002809" cy="6341807"/>
+                <a:chOff x="2692400" y="30804815"/>
+                <a:chExt cx="25002809" cy="6341807"/>
               </a:xfrm>
             </p:grpSpPr>
             <p:pic>
@@ -4070,10 +4069,10 @@
               </p:nvGrpSpPr>
               <p:grpSpPr>
                 <a:xfrm>
-                  <a:off x="2692400" y="30941115"/>
-                  <a:ext cx="25009791" cy="4256815"/>
-                  <a:chOff x="2692400" y="30941115"/>
-                  <a:chExt cx="25009791" cy="4256815"/>
+                  <a:off x="2692400" y="30804815"/>
+                  <a:ext cx="25002809" cy="4039941"/>
+                  <a:chOff x="2692400" y="30804815"/>
+                  <a:chExt cx="25002809" cy="4039941"/>
                 </a:xfrm>
               </p:grpSpPr>
               <p:grpSp>
@@ -4084,10 +4083,10 @@
                 </p:nvGrpSpPr>
                 <p:grpSpPr>
                   <a:xfrm>
-                    <a:off x="2692400" y="30941115"/>
-                    <a:ext cx="25009791" cy="4256815"/>
-                    <a:chOff x="2692400" y="28700835"/>
-                    <a:chExt cx="25009791" cy="4256815"/>
+                    <a:off x="2692400" y="30804815"/>
+                    <a:ext cx="25002809" cy="2862322"/>
+                    <a:chOff x="2692400" y="28564535"/>
+                    <a:chExt cx="25002809" cy="2862322"/>
                   </a:xfrm>
                 </p:grpSpPr>
                 <p:sp>
@@ -4135,7 +4134,7 @@
                   </p:nvSpPr>
                   <p:spPr>
                     <a:xfrm>
-                      <a:off x="19643409" y="30095328"/>
+                      <a:off x="19636427" y="28564535"/>
                       <a:ext cx="8058782" cy="2862322"/>
                     </a:xfrm>
                     <a:prstGeom prst="rect">
@@ -4154,7 +4153,18 @@
                       </a:r>
                     </a:p>
                     <a:p>
-                      <a:pPr marL="857250" indent="-857250" algn="ctr">
+                      <a:pPr marL="857250" indent="-857250">
+                        <a:buFont typeface="Arial" panose="020B0604020202020204" pitchFamily="34" charset="0"/>
+                        <a:buChar char="•"/>
+                      </a:pPr>
+                      <a:r>
+                        <a:rPr lang="en-US" sz="4400" dirty="0" smtClean="0"/>
+                        <a:t>Visualization</a:t>
+                      </a:r>
+                      <a:endParaRPr lang="en-US" sz="4400" dirty="0"/>
+                    </a:p>
+                    <a:p>
+                      <a:pPr marL="857250" indent="-857250">
                         <a:buFont typeface="Arial" panose="020B0604020202020204" pitchFamily="34" charset="0"/>
                         <a:buChar char="•"/>
                       </a:pPr>
@@ -4162,9 +4172,10 @@
                         <a:rPr lang="en-US" sz="4400" dirty="0" smtClean="0"/>
                         <a:t>Debugging</a:t>
                       </a:r>
+                      <a:endParaRPr lang="en-US" sz="4400" dirty="0" smtClean="0"/>
                     </a:p>
                     <a:p>
-                      <a:pPr marL="857250" indent="-857250" algn="ctr">
+                      <a:pPr marL="857250" indent="-857250">
                         <a:buFont typeface="Arial" panose="020B0604020202020204" pitchFamily="34" charset="0"/>
                         <a:buChar char="•"/>
                       </a:pPr>
@@ -4172,16 +4183,7 @@
                         <a:rPr lang="en-US" sz="4400" dirty="0" smtClean="0"/>
                         <a:t>Simulation</a:t>
                       </a:r>
-                    </a:p>
-                    <a:p>
-                      <a:pPr marL="857250" indent="-857250" algn="ctr">
-                        <a:buFont typeface="Arial" panose="020B0604020202020204" pitchFamily="34" charset="0"/>
-                        <a:buChar char="•"/>
-                      </a:pPr>
-                      <a:r>
-                        <a:rPr lang="en-US" sz="4400" dirty="0" smtClean="0"/>
-                        <a:t>Visualizations</a:t>
-                      </a:r>
+                      <a:endParaRPr lang="en-US" sz="4400" dirty="0" smtClean="0"/>
                     </a:p>
                   </p:txBody>
                 </p:sp>
@@ -4240,9 +4242,9 @@
         <p:grpSpPr>
           <a:xfrm>
             <a:off x="1325880" y="19813602"/>
-            <a:ext cx="27967534" cy="10853708"/>
+            <a:ext cx="28561483" cy="12104017"/>
             <a:chOff x="1325880" y="19248120"/>
-            <a:chExt cx="27967534" cy="10853708"/>
+            <a:chExt cx="28561483" cy="12104017"/>
           </a:xfrm>
         </p:grpSpPr>
         <p:sp>
@@ -4296,10 +4298,10 @@
           </p:nvGrpSpPr>
           <p:grpSpPr>
             <a:xfrm>
-              <a:off x="3067971" y="19646109"/>
-              <a:ext cx="26225443" cy="10376170"/>
-              <a:chOff x="3067971" y="19646109"/>
-              <a:chExt cx="26225443" cy="10376170"/>
+              <a:off x="2809979" y="19480661"/>
+              <a:ext cx="27077384" cy="11871476"/>
+              <a:chOff x="2809979" y="19480661"/>
+              <a:chExt cx="27077384" cy="11871476"/>
             </a:xfrm>
           </p:grpSpPr>
           <p:grpSp>
@@ -4310,10 +4312,10 @@
             </p:nvGrpSpPr>
             <p:grpSpPr>
               <a:xfrm>
-                <a:off x="3067971" y="19646109"/>
-                <a:ext cx="26225443" cy="9565929"/>
-                <a:chOff x="3067971" y="16125669"/>
-                <a:chExt cx="26225443" cy="9565929"/>
+                <a:off x="2809979" y="19480661"/>
+                <a:ext cx="27077384" cy="11871476"/>
+                <a:chOff x="2809979" y="15960221"/>
+                <a:chExt cx="27077384" cy="11871476"/>
               </a:xfrm>
             </p:grpSpPr>
             <p:sp>
@@ -4324,8 +4326,8 @@
               </p:nvSpPr>
               <p:spPr>
                 <a:xfrm>
-                  <a:off x="7548491" y="16125669"/>
-                  <a:ext cx="7255018" cy="1107996"/>
+                  <a:off x="2809979" y="15960221"/>
+                  <a:ext cx="7255018" cy="1015663"/>
                 </a:xfrm>
                 <a:prstGeom prst="rect">
                   <a:avLst/>
@@ -4339,14 +4341,10 @@
                 <a:lstStyle/>
                 <a:p>
                   <a:r>
-                    <a:rPr lang="en-US" sz="6600" b="1" dirty="0" smtClean="0">
-                      <a:latin typeface="Cambria" panose="02040503050406030204" pitchFamily="18" charset="0"/>
-                    </a:rPr>
+                    <a:rPr lang="en-US" sz="6000" dirty="0"/>
                     <a:t>How VR can help</a:t>
                   </a:r>
-                  <a:endParaRPr lang="en-US" sz="6600" b="1" dirty="0">
-                    <a:latin typeface="Cambria" panose="02040503050406030204" pitchFamily="18" charset="0"/>
-                  </a:endParaRPr>
+                  <a:endParaRPr lang="en-US" sz="6000" dirty="0"/>
                 </a:p>
               </p:txBody>
             </p:sp>
@@ -4422,7 +4420,7 @@
               </p:blipFill>
               <p:spPr>
                 <a:xfrm>
-                  <a:off x="3067971" y="20036202"/>
+                  <a:off x="3067970" y="19729743"/>
                   <a:ext cx="6308842" cy="3548723"/>
                 </a:xfrm>
                 <a:prstGeom prst="rect">
@@ -4556,8 +4554,8 @@
               </p:blipFill>
               <p:spPr>
                 <a:xfrm>
-                  <a:off x="22586578" y="20400378"/>
-                  <a:ext cx="3968415" cy="5291220"/>
+                  <a:off x="19516328" y="20053422"/>
+                  <a:ext cx="10371035" cy="7778275"/>
                 </a:xfrm>
                 <a:prstGeom prst="rect">
                   <a:avLst/>
@@ -4603,8 +4601,8 @@
             </p:nvSpPr>
             <p:spPr>
               <a:xfrm>
-                <a:off x="22808404" y="29172400"/>
-                <a:ext cx="3973937" cy="849879"/>
+                <a:off x="22174200" y="28265359"/>
+                <a:ext cx="4693325" cy="1323439"/>
               </a:xfrm>
               <a:prstGeom prst="rect">
                 <a:avLst/>
@@ -4618,10 +4616,10 @@
               <a:lstStyle/>
               <a:p>
                 <a:r>
-                  <a:rPr lang="en-US" sz="4800" dirty="0" smtClean="0"/>
-                  <a:t>Push? Or pull?</a:t>
+                  <a:rPr lang="en-US" sz="4000" dirty="0" smtClean="0"/>
+                  <a:t>Short feedback cycles improve productivity</a:t>
                 </a:r>
-                <a:endParaRPr lang="en-US" sz="4800" dirty="0"/>
+                <a:endParaRPr lang="en-US" sz="4000" dirty="0"/>
               </a:p>
             </p:txBody>
           </p:sp>
@@ -4635,8 +4633,8 @@
         </p:nvSpPr>
         <p:spPr>
           <a:xfrm>
-            <a:off x="3067971" y="27562565"/>
-            <a:ext cx="6739035" cy="2554545"/>
+            <a:off x="1965961" y="27417651"/>
+            <a:ext cx="8558271" cy="2554545"/>
           </a:xfrm>
           <a:prstGeom prst="rect">
             <a:avLst/>
@@ -4652,7 +4650,38 @@
             <a:pPr algn="ctr"/>
             <a:r>
               <a:rPr lang="en-US" sz="4000" dirty="0" smtClean="0"/>
-              <a:t>Users could remember placement of bookmarks on 3D place after 6 months. (Data Mountain)</a:t>
+              <a:t>Users </a:t>
+            </a:r>
+            <a:r>
+              <a:rPr lang="en-US" sz="4000" dirty="0" smtClean="0"/>
+              <a:t>remembered bookmark placement </a:t>
+            </a:r>
+            <a:r>
+              <a:rPr lang="en-US" sz="4000" dirty="0" smtClean="0"/>
+              <a:t>on 3D </a:t>
+            </a:r>
+            <a:r>
+              <a:rPr lang="en-US" sz="4000" dirty="0" smtClean="0"/>
+              <a:t>plane after </a:t>
+            </a:r>
+            <a:r>
+              <a:rPr lang="en-US" sz="4000" dirty="0" smtClean="0"/>
+              <a:t>6 months. </a:t>
+            </a:r>
+            <a:endParaRPr lang="en-US" sz="4000" dirty="0" smtClean="0"/>
+          </a:p>
+          <a:p>
+            <a:pPr algn="ctr"/>
+            <a:r>
+              <a:rPr lang="en-US" sz="4000" dirty="0" smtClean="0"/>
+              <a:t>Data Mountain</a:t>
+            </a:r>
+          </a:p>
+          <a:p>
+            <a:pPr algn="ctr"/>
+            <a:r>
+              <a:rPr lang="en-US" sz="4000" dirty="0" smtClean="0"/>
+              <a:t>Microsoft Research, 1998</a:t>
             </a:r>
             <a:endParaRPr lang="en-US" sz="4000" dirty="0"/>
           </a:p>
@@ -4966,6 +4995,66 @@
           </p:sp>
         </p:grpSp>
       </p:grpSp>
+      <p:pic>
+        <p:nvPicPr>
+          <p:cNvPr id="2" name="Picture 1"/>
+          <p:cNvPicPr>
+            <a:picLocks noChangeAspect="1"/>
+          </p:cNvPicPr>
+          <p:nvPr/>
+        </p:nvPicPr>
+        <p:blipFill>
+          <a:blip r:embed="rId11">
+            <a:extLst>
+              <a:ext uri="{28A0092B-C50C-407E-A947-70E740481C1C}">
+                <a14:useLocalDpi xmlns:a14="http://schemas.microsoft.com/office/drawing/2010/main" val="0"/>
+              </a:ext>
+            </a:extLst>
+          </a:blip>
+          <a:stretch>
+            <a:fillRect/>
+          </a:stretch>
+        </p:blipFill>
+        <p:spPr>
+          <a:xfrm>
+            <a:off x="23905109" y="33069225"/>
+            <a:ext cx="5123382" cy="3382619"/>
+          </a:xfrm>
+          <a:prstGeom prst="rect">
+            <a:avLst/>
+          </a:prstGeom>
+        </p:spPr>
+      </p:pic>
+      <p:sp>
+        <p:nvSpPr>
+          <p:cNvPr id="5" name="TextBox 4"/>
+          <p:cNvSpPr txBox="1"/>
+          <p:nvPr/>
+        </p:nvSpPr>
+        <p:spPr>
+          <a:xfrm>
+            <a:off x="22456475" y="36625926"/>
+            <a:ext cx="6441913" cy="1754326"/>
+          </a:xfrm>
+          <a:prstGeom prst="rect">
+            <a:avLst/>
+          </a:prstGeom>
+          <a:noFill/>
+        </p:spPr>
+        <p:txBody>
+          <a:bodyPr wrap="square" rtlCol="0">
+            <a:spAutoFit/>
+          </a:bodyPr>
+          <a:lstStyle/>
+          <a:p>
+            <a:r>
+              <a:rPr lang="en-US" sz="3600" dirty="0" smtClean="0"/>
+              <a:t>Microsoft’s Debugger Canvas improves on spatial cognition, but is limited to two dimensions.</a:t>
+            </a:r>
+            <a:endParaRPr lang="en-US" sz="3600" dirty="0"/>
+          </a:p>
+        </p:txBody>
+      </p:sp>
     </p:spTree>
     <p:extLst>
       <p:ext uri="{BB962C8B-B14F-4D97-AF65-F5344CB8AC3E}">
